--- a/wrktmr017.pptx
+++ b/wrktmr017.pptx
@@ -5714,13 +5714,13 @@
         </p:nvSpPr>
         <p:spPr>
           <a:xfrm>
-            <a:off x="7965977" y="1427450"/>
+            <a:off x="7965977" y="1535126"/>
             <a:ext cx="3877680" cy="3787747"/>
           </a:xfrm>
         </p:spPr>
         <p:txBody>
           <a:bodyPr>
-            <a:normAutofit lnSpcReduction="10000"/>
+            <a:normAutofit fontScale="85000" lnSpcReduction="20000"/>
           </a:bodyPr>
           <a:lstStyle/>
           <a:p>
@@ -5830,6 +5830,29 @@
                 <a:cs typeface="Courier New" panose="02070309020205020404" pitchFamily="49" charset="0"/>
               </a:rPr>
               <a:t>2025\08\13</a:t>
+            </a:r>
+          </a:p>
+          <a:p>
+            <a:pPr algn="l"/>
+            <a:endParaRPr lang="ru-RU" dirty="0">
+              <a:solidFill>
+                <a:schemeClr val="bg1"/>
+              </a:solidFill>
+              <a:latin typeface="Courier New" panose="02070309020205020404" pitchFamily="49" charset="0"/>
+              <a:cs typeface="Courier New" panose="02070309020205020404" pitchFamily="49" charset="0"/>
+            </a:endParaRPr>
+          </a:p>
+          <a:p>
+            <a:pPr algn="l"/>
+            <a:r>
+              <a:rPr lang="ru-RU" dirty="0">
+                <a:solidFill>
+                  <a:schemeClr val="bg1"/>
+                </a:solidFill>
+                <a:latin typeface="Courier New" panose="02070309020205020404" pitchFamily="49" charset="0"/>
+                <a:cs typeface="Courier New" panose="02070309020205020404" pitchFamily="49" charset="0"/>
+              </a:rPr>
+              <a:t>Сводка похожих задач по названию или ссылке</a:t>
             </a:r>
             <a:endParaRPr lang="en-US" dirty="0">
               <a:solidFill>
